--- a/teaching/cs513-autocps-fall-2025/slides/ProbabilisticModels.pptx
+++ b/teaching/cs513-autocps-fall-2025/slides/ProbabilisticModels.pptx
@@ -243,7 +243,7 @@
           <a:p>
             <a:fld id="{459B985A-4C37-4D1F-A437-E4A951A85D11}" type="datetimeFigureOut">
               <a:rPr lang="en-US" smtClean="0"/>
-              <a:t>11/3/2025</a:t>
+              <a:t>11/13/2025</a:t>
             </a:fld>
             <a:endParaRPr lang="en-US"/>
           </a:p>
@@ -420,7 +420,7 @@
           <a:p>
             <a:fld id="{6580C23F-98B7-41D4-A9FA-15A275A51486}" type="datetimeFigureOut">
               <a:rPr lang="en-US" smtClean="0"/>
-              <a:t>11/3/2025</a:t>
+              <a:t>11/13/2025</a:t>
             </a:fld>
             <a:endParaRPr lang="en-US"/>
           </a:p>
@@ -1225,7 +1225,7 @@
           <p:nvPr userDrawn="1"/>
         </p:nvPicPr>
         <mc:AlternateContent xmlns:mc="http://schemas.openxmlformats.org/markup-compatibility/2006">
-          <mc:Choice xmlns:ma="http://schemas.microsoft.com/office/mac/drawingml/2008/main" xmlns:mv="urn:schemas-microsoft-com:mac:vml" xmlns="" Requires="ma">
+          <mc:Choice xmlns="" xmlns:mv="urn:schemas-microsoft-com:mac:vml" xmlns:ma="http://schemas.microsoft.com/office/mac/drawingml/2008/main" Requires="ma">
             <p:blipFill>
               <a:blip r:embed="rId3"/>
               <a:stretch>
@@ -5593,8 +5593,8 @@
           <a:chExt cx="0" cy="0"/>
         </a:xfrm>
       </p:grpSpPr>
-      <mc:AlternateContent xmlns:mc="http://schemas.openxmlformats.org/markup-compatibility/2006">
-        <mc:Choice xmlns:a14="http://schemas.microsoft.com/office/drawing/2010/main" Requires="a14">
+      <mc:AlternateContent xmlns:mc="http://schemas.openxmlformats.org/markup-compatibility/2006" xmlns:a14="http://schemas.microsoft.com/office/drawing/2010/main">
+        <mc:Choice Requires="a14">
           <p:sp>
             <p:nvSpPr>
               <p:cNvPr id="2" name="Content Placeholder 1">
@@ -6449,7 +6449,7 @@
             </p:txBody>
           </p:sp>
         </mc:Choice>
-        <mc:Fallback>
+        <mc:Fallback xmlns="">
           <p:sp>
             <p:nvSpPr>
               <p:cNvPr id="2" name="Content Placeholder 1">
@@ -10557,8 +10557,8 @@
           </a:p>
         </p:txBody>
       </p:sp>
-      <mc:AlternateContent xmlns:mc="http://schemas.openxmlformats.org/markup-compatibility/2006">
-        <mc:Choice xmlns:a14="http://schemas.microsoft.com/office/drawing/2010/main" Requires="a14">
+      <mc:AlternateContent xmlns:mc="http://schemas.openxmlformats.org/markup-compatibility/2006" xmlns:a14="http://schemas.microsoft.com/office/drawing/2010/main">
+        <mc:Choice Requires="a14">
           <p:sp>
             <p:nvSpPr>
               <p:cNvPr id="5" name="Title 4">
@@ -10693,7 +10693,7 @@
             </p:txBody>
           </p:sp>
         </mc:Choice>
-        <mc:Fallback>
+        <mc:Fallback xmlns="">
           <p:sp>
             <p:nvSpPr>
               <p:cNvPr id="5" name="Title 4">
